--- a/New Microsoft PowerPoint Presentation.pptx
+++ b/New Microsoft PowerPoint Presentation.pptx
@@ -13,8 +13,11 @@
     <p:sldId id="260" r:id="rId7"/>
     <p:sldId id="262" r:id="rId8"/>
     <p:sldId id="261" r:id="rId9"/>
-    <p:sldId id="263" r:id="rId10"/>
-    <p:sldId id="264" r:id="rId11"/>
+    <p:sldId id="267" r:id="rId10"/>
+    <p:sldId id="268" r:id="rId11"/>
+    <p:sldId id="266" r:id="rId12"/>
+    <p:sldId id="263" r:id="rId13"/>
+    <p:sldId id="264" r:id="rId14"/>
   </p:sldIdLst>
   <p:sldSz cx="9144000" cy="6858000" type="screen4x3"/>
   <p:notesSz cx="6858000" cy="9144000"/>
@@ -3080,12 +3083,21 @@
         </p:nvSpPr>
         <p:spPr/>
         <p:txBody>
-          <a:bodyPr/>
-          <a:lstStyle/>
-          <a:p>
-            <a:r>
-              <a:rPr lang="en-US" dirty="0" smtClean="0"/>
-              <a:t>My title</a:t>
+          <a:bodyPr>
+            <a:normAutofit fontScale="90000"/>
+          </a:bodyPr>
+          <a:lstStyle/>
+          <a:p>
+            <a:r>
+              <a:rPr lang="en-US" dirty="0"/>
+              <a:t>TOTAL VARIATION WITH L2-L1 FOR DENSE OPTICAL FIELD</a:t>
+            </a:r>
+            <a:br>
+              <a:rPr lang="en-US" dirty="0"/>
+            </a:br>
+            <a:r>
+              <a:rPr lang="ro-RO" dirty="0"/>
+              <a:t>COMPUTATION</a:t>
             </a:r>
             <a:endParaRPr lang="ro-RO" dirty="0"/>
           </a:p>
@@ -3135,6 +3147,423 @@
 </file>
 
 <file path=ppt/slides/slide10.xml><?xml version="1.0" encoding="utf-8"?>
+<p:sld xmlns:a="http://schemas.openxmlformats.org/drawingml/2006/main" xmlns:r="http://schemas.openxmlformats.org/officeDocument/2006/relationships" xmlns:p="http://schemas.openxmlformats.org/presentationml/2006/main">
+  <p:cSld>
+    <p:spTree>
+      <p:nvGrpSpPr>
+        <p:cNvPr id="1" name=""/>
+        <p:cNvGrpSpPr/>
+        <p:nvPr/>
+      </p:nvGrpSpPr>
+      <p:grpSpPr>
+        <a:xfrm>
+          <a:off x="0" y="0"/>
+          <a:ext cx="0" cy="0"/>
+          <a:chOff x="0" y="0"/>
+          <a:chExt cx="0" cy="0"/>
+        </a:xfrm>
+      </p:grpSpPr>
+      <p:sp>
+        <p:nvSpPr>
+          <p:cNvPr id="2" name="Title 1"/>
+          <p:cNvSpPr>
+            <a:spLocks noGrp="1"/>
+          </p:cNvSpPr>
+          <p:nvPr>
+            <p:ph type="title"/>
+          </p:nvPr>
+        </p:nvSpPr>
+        <p:spPr/>
+        <p:txBody>
+          <a:bodyPr>
+            <a:normAutofit fontScale="90000"/>
+          </a:bodyPr>
+          <a:lstStyle/>
+          <a:p>
+            <a:r>
+              <a:rPr lang="en-US" dirty="0" smtClean="0"/>
+              <a:t>Energy Function</a:t>
+            </a:r>
+            <a:br>
+              <a:rPr lang="en-US" dirty="0" smtClean="0"/>
+            </a:br>
+            <a:r>
+              <a:rPr lang="en-US" dirty="0" smtClean="0"/>
+              <a:t>L2 vs. L1</a:t>
+            </a:r>
+            <a:endParaRPr lang="ro-RO" dirty="0"/>
+          </a:p>
+        </p:txBody>
+      </p:sp>
+      <p:sp>
+        <p:nvSpPr>
+          <p:cNvPr id="3" name="Content Placeholder 2"/>
+          <p:cNvSpPr>
+            <a:spLocks noGrp="1"/>
+          </p:cNvSpPr>
+          <p:nvPr>
+            <p:ph idx="1"/>
+          </p:nvPr>
+        </p:nvSpPr>
+        <p:spPr>
+          <a:xfrm>
+            <a:off x="457200" y="1600200"/>
+            <a:ext cx="4114800" cy="4525963"/>
+          </a:xfrm>
+        </p:spPr>
+        <p:txBody>
+          <a:bodyPr/>
+          <a:lstStyle/>
+          <a:p>
+            <a:pPr marL="0" indent="0">
+              <a:buNone/>
+            </a:pPr>
+            <a:r>
+              <a:rPr lang="en-US" dirty="0" smtClean="0"/>
+              <a:t>Advantages</a:t>
+            </a:r>
+          </a:p>
+          <a:p>
+            <a:r>
+              <a:rPr lang="en-US" dirty="0" smtClean="0"/>
+              <a:t>Fast</a:t>
+            </a:r>
+          </a:p>
+          <a:p>
+            <a:r>
+              <a:rPr lang="en-US" dirty="0" smtClean="0"/>
+              <a:t>Straight Forward</a:t>
+            </a:r>
+          </a:p>
+          <a:p>
+            <a:endParaRPr lang="en-US" dirty="0"/>
+          </a:p>
+          <a:p>
+            <a:pPr marL="0" indent="0">
+              <a:buNone/>
+            </a:pPr>
+            <a:r>
+              <a:rPr lang="en-US" dirty="0" smtClean="0"/>
+              <a:t>Disadvantages</a:t>
+            </a:r>
+          </a:p>
+          <a:p>
+            <a:r>
+              <a:rPr lang="en-US" dirty="0" smtClean="0"/>
+              <a:t>Low Robustness</a:t>
+            </a:r>
+            <a:endParaRPr lang="ro-RO" dirty="0"/>
+          </a:p>
+        </p:txBody>
+      </p:sp>
+      <p:sp>
+        <p:nvSpPr>
+          <p:cNvPr id="4" name="TextBox 3"/>
+          <p:cNvSpPr txBox="1"/>
+          <p:nvPr/>
+        </p:nvSpPr>
+        <p:spPr>
+          <a:xfrm>
+            <a:off x="5105400" y="1600200"/>
+            <a:ext cx="3581400" cy="4031873"/>
+          </a:xfrm>
+          <a:prstGeom prst="rect">
+            <a:avLst/>
+          </a:prstGeom>
+          <a:noFill/>
+        </p:spPr>
+        <p:txBody>
+          <a:bodyPr wrap="square" rtlCol="0">
+            <a:spAutoFit/>
+          </a:bodyPr>
+          <a:lstStyle/>
+          <a:p>
+            <a:r>
+              <a:rPr lang="en-US" sz="3200" dirty="0" smtClean="0"/>
+              <a:t>Advantages</a:t>
+            </a:r>
+          </a:p>
+          <a:p>
+            <a:pPr marL="457200" indent="-457200">
+              <a:buFont typeface="Arial" pitchFamily="34" charset="0"/>
+              <a:buChar char="•"/>
+            </a:pPr>
+            <a:r>
+              <a:rPr lang="en-US" sz="3200" dirty="0" smtClean="0"/>
+              <a:t>More complex </a:t>
+            </a:r>
+          </a:p>
+          <a:p>
+            <a:pPr marL="457200" indent="-457200">
+              <a:buFont typeface="Arial" pitchFamily="34" charset="0"/>
+              <a:buChar char="•"/>
+            </a:pPr>
+            <a:endParaRPr lang="en-US" sz="3200" dirty="0"/>
+          </a:p>
+          <a:p>
+            <a:pPr marL="457200" indent="-457200">
+              <a:buFont typeface="Arial" pitchFamily="34" charset="0"/>
+              <a:buChar char="•"/>
+            </a:pPr>
+            <a:endParaRPr lang="en-US" sz="3200" dirty="0" smtClean="0"/>
+          </a:p>
+          <a:p>
+            <a:r>
+              <a:rPr lang="en-US" sz="3200" dirty="0" smtClean="0"/>
+              <a:t>Disadvantages</a:t>
+            </a:r>
+          </a:p>
+          <a:p>
+            <a:pPr marL="457200" indent="-457200">
+              <a:buFont typeface="Arial" pitchFamily="34" charset="0"/>
+              <a:buChar char="•"/>
+            </a:pPr>
+            <a:r>
+              <a:rPr lang="en-US" sz="3200" dirty="0" smtClean="0"/>
+              <a:t>Robust</a:t>
+            </a:r>
+          </a:p>
+          <a:p>
+            <a:pPr marL="457200" indent="-457200">
+              <a:buFont typeface="Arial" pitchFamily="34" charset="0"/>
+              <a:buChar char="•"/>
+            </a:pPr>
+            <a:r>
+              <a:rPr lang="en-US" sz="3200" smtClean="0"/>
+              <a:t>NonIsotropic</a:t>
+            </a:r>
+            <a:endParaRPr lang="en-US" sz="3200" dirty="0" smtClean="0"/>
+          </a:p>
+          <a:p>
+            <a:pPr marL="457200" indent="-457200">
+              <a:buFont typeface="Arial" pitchFamily="34" charset="0"/>
+              <a:buChar char="•"/>
+            </a:pPr>
+            <a:endParaRPr lang="ro-RO" sz="3200" dirty="0"/>
+          </a:p>
+        </p:txBody>
+      </p:sp>
+    </p:spTree>
+    <p:extLst>
+      <p:ext uri="{BB962C8B-B14F-4D97-AF65-F5344CB8AC3E}">
+        <p14:creationId xmlns:p14="http://schemas.microsoft.com/office/powerpoint/2010/main" val="2554259740"/>
+      </p:ext>
+    </p:extLst>
+  </p:cSld>
+  <p:clrMapOvr>
+    <a:masterClrMapping/>
+  </p:clrMapOvr>
+</p:sld>
+</file>
+
+<file path=ppt/slides/slide11.xml><?xml version="1.0" encoding="utf-8"?>
+<p:sld xmlns:a="http://schemas.openxmlformats.org/drawingml/2006/main" xmlns:r="http://schemas.openxmlformats.org/officeDocument/2006/relationships" xmlns:p="http://schemas.openxmlformats.org/presentationml/2006/main">
+  <p:cSld>
+    <p:spTree>
+      <p:nvGrpSpPr>
+        <p:cNvPr id="1" name=""/>
+        <p:cNvGrpSpPr/>
+        <p:nvPr/>
+      </p:nvGrpSpPr>
+      <p:grpSpPr>
+        <a:xfrm>
+          <a:off x="0" y="0"/>
+          <a:ext cx="0" cy="0"/>
+          <a:chOff x="0" y="0"/>
+          <a:chExt cx="0" cy="0"/>
+        </a:xfrm>
+      </p:grpSpPr>
+      <p:sp>
+        <p:nvSpPr>
+          <p:cNvPr id="2" name="Title 1"/>
+          <p:cNvSpPr>
+            <a:spLocks noGrp="1"/>
+          </p:cNvSpPr>
+          <p:nvPr>
+            <p:ph type="title"/>
+          </p:nvPr>
+        </p:nvSpPr>
+        <p:spPr/>
+        <p:txBody>
+          <a:bodyPr/>
+          <a:lstStyle/>
+          <a:p>
+            <a:r>
+              <a:rPr lang="en-US" dirty="0" smtClean="0"/>
+              <a:t>System Overview</a:t>
+            </a:r>
+            <a:endParaRPr lang="ro-RO" dirty="0"/>
+          </a:p>
+        </p:txBody>
+      </p:sp>
+      <p:pic>
+        <p:nvPicPr>
+          <p:cNvPr id="1026" name="Picture 2"/>
+          <p:cNvPicPr>
+            <a:picLocks noGrp="1" noChangeAspect="1" noChangeArrowheads="1"/>
+          </p:cNvPicPr>
+          <p:nvPr>
+            <p:ph idx="1"/>
+          </p:nvPr>
+        </p:nvPicPr>
+        <p:blipFill>
+          <a:blip r:embed="rId2">
+            <a:extLst>
+              <a:ext uri="{28A0092B-C50C-407E-A947-70E740481C1C}">
+                <a14:useLocalDpi xmlns:a14="http://schemas.microsoft.com/office/drawing/2010/main" val="0"/>
+              </a:ext>
+            </a:extLst>
+          </a:blip>
+          <a:srcRect/>
+          <a:stretch>
+            <a:fillRect/>
+          </a:stretch>
+        </p:blipFill>
+        <p:spPr bwMode="auto">
+          <a:xfrm>
+            <a:off x="457200" y="2556454"/>
+            <a:ext cx="8229600" cy="2613454"/>
+          </a:xfrm>
+          <a:prstGeom prst="rect">
+            <a:avLst/>
+          </a:prstGeom>
+          <a:noFill/>
+          <a:ln>
+            <a:noFill/>
+          </a:ln>
+          <a:effectLst/>
+          <a:extLst>
+            <a:ext uri="{909E8E84-426E-40DD-AFC4-6F175D3DCCD1}">
+              <a14:hiddenFill xmlns:a14="http://schemas.microsoft.com/office/drawing/2010/main">
+                <a:solidFill>
+                  <a:schemeClr val="accent1"/>
+                </a:solidFill>
+              </a14:hiddenFill>
+            </a:ext>
+            <a:ext uri="{91240B29-F687-4F45-9708-019B960494DF}">
+              <a14:hiddenLine xmlns:a14="http://schemas.microsoft.com/office/drawing/2010/main" w="9525">
+                <a:solidFill>
+                  <a:schemeClr val="tx1"/>
+                </a:solidFill>
+                <a:miter lim="800000"/>
+                <a:headEnd/>
+                <a:tailEnd/>
+              </a14:hiddenLine>
+            </a:ext>
+            <a:ext uri="{AF507438-7753-43E0-B8FC-AC1667EBCBE1}">
+              <a14:hiddenEffects xmlns:a14="http://schemas.microsoft.com/office/drawing/2010/main">
+                <a:effectLst>
+                  <a:outerShdw dist="35921" dir="2700000" algn="ctr" rotWithShape="0">
+                    <a:schemeClr val="bg2"/>
+                  </a:outerShdw>
+                </a:effectLst>
+              </a14:hiddenEffects>
+            </a:ext>
+          </a:extLst>
+        </p:spPr>
+      </p:pic>
+    </p:spTree>
+    <p:extLst>
+      <p:ext uri="{BB962C8B-B14F-4D97-AF65-F5344CB8AC3E}">
+        <p14:creationId xmlns:p14="http://schemas.microsoft.com/office/powerpoint/2010/main" val="1232405997"/>
+      </p:ext>
+    </p:extLst>
+  </p:cSld>
+  <p:clrMapOvr>
+    <a:masterClrMapping/>
+  </p:clrMapOvr>
+</p:sld>
+</file>
+
+<file path=ppt/slides/slide12.xml><?xml version="1.0" encoding="utf-8"?>
+<p:sld xmlns:a="http://schemas.openxmlformats.org/drawingml/2006/main" xmlns:r="http://schemas.openxmlformats.org/officeDocument/2006/relationships" xmlns:p="http://schemas.openxmlformats.org/presentationml/2006/main">
+  <p:cSld>
+    <p:spTree>
+      <p:nvGrpSpPr>
+        <p:cNvPr id="1" name=""/>
+        <p:cNvGrpSpPr/>
+        <p:nvPr/>
+      </p:nvGrpSpPr>
+      <p:grpSpPr>
+        <a:xfrm>
+          <a:off x="0" y="0"/>
+          <a:ext cx="0" cy="0"/>
+          <a:chOff x="0" y="0"/>
+          <a:chExt cx="0" cy="0"/>
+        </a:xfrm>
+      </p:grpSpPr>
+      <p:sp>
+        <p:nvSpPr>
+          <p:cNvPr id="2" name="Title 1"/>
+          <p:cNvSpPr>
+            <a:spLocks noGrp="1"/>
+          </p:cNvSpPr>
+          <p:nvPr>
+            <p:ph type="title"/>
+          </p:nvPr>
+        </p:nvSpPr>
+        <p:spPr/>
+        <p:txBody>
+          <a:bodyPr/>
+          <a:lstStyle/>
+          <a:p>
+            <a:r>
+              <a:rPr lang="en-US" dirty="0"/>
+              <a:t>Coarse-to-fine approach</a:t>
+            </a:r>
+            <a:endParaRPr lang="ro-RO" dirty="0"/>
+          </a:p>
+        </p:txBody>
+      </p:sp>
+      <p:sp>
+        <p:nvSpPr>
+          <p:cNvPr id="3" name="Content Placeholder 2"/>
+          <p:cNvSpPr>
+            <a:spLocks noGrp="1"/>
+          </p:cNvSpPr>
+          <p:nvPr>
+            <p:ph idx="1"/>
+          </p:nvPr>
+        </p:nvSpPr>
+        <p:spPr/>
+        <p:txBody>
+          <a:bodyPr/>
+          <a:lstStyle/>
+          <a:p>
+            <a:r>
+              <a:rPr lang="en-US" dirty="0" smtClean="0"/>
+              <a:t>Based on Gaussian or Lagrange Pyramids</a:t>
+            </a:r>
+          </a:p>
+          <a:p>
+            <a:r>
+              <a:rPr lang="en-US" dirty="0" smtClean="0"/>
+              <a:t>Detects large displacements</a:t>
+            </a:r>
+          </a:p>
+          <a:p>
+            <a:r>
+              <a:rPr lang="en-US" dirty="0" smtClean="0"/>
+              <a:t>??</a:t>
+            </a:r>
+            <a:endParaRPr lang="ro-RO" dirty="0"/>
+          </a:p>
+        </p:txBody>
+      </p:sp>
+    </p:spTree>
+    <p:extLst>
+      <p:ext uri="{BB962C8B-B14F-4D97-AF65-F5344CB8AC3E}">
+        <p14:creationId xmlns:p14="http://schemas.microsoft.com/office/powerpoint/2010/main" val="3733599710"/>
+      </p:ext>
+    </p:extLst>
+  </p:cSld>
+  <p:clrMapOvr>
+    <a:masterClrMapping/>
+  </p:clrMapOvr>
+</p:sld>
+</file>
+
+<file path=ppt/slides/slide13.xml><?xml version="1.0" encoding="utf-8"?>
 <p:sld xmlns:a="http://schemas.openxmlformats.org/drawingml/2006/main" xmlns:r="http://schemas.openxmlformats.org/officeDocument/2006/relationships" xmlns:p="http://schemas.openxmlformats.org/presentationml/2006/main">
   <p:cSld>
     <p:spTree>
@@ -3716,8 +4145,8 @@
           </a:p>
         </p:txBody>
       </p:sp>
-      <mc:AlternateContent xmlns:mc="http://schemas.openxmlformats.org/markup-compatibility/2006">
-        <mc:Choice xmlns:a14="http://schemas.microsoft.com/office/drawing/2010/main" Requires="a14">
+      <mc:AlternateContent xmlns:mc="http://schemas.openxmlformats.org/markup-compatibility/2006" xmlns:a14="http://schemas.microsoft.com/office/drawing/2010/main">
+        <mc:Choice Requires="a14">
           <p:sp>
             <p:nvSpPr>
               <p:cNvPr id="3" name="Content Placeholder 2"/>
@@ -3874,18 +4303,14 @@
                 </a:pPr>
                 <a:r>
                   <a:rPr lang="en-US" dirty="0" smtClean="0"/>
-                  <a:t>u </a:t>
-                </a:r>
-                <a:r>
-                  <a:rPr lang="en-US" dirty="0" smtClean="0"/>
-                  <a:t>and v.</a:t>
+                  <a:t>u and v.</a:t>
                 </a:r>
                 <a:endParaRPr lang="ro-RO" dirty="0"/>
               </a:p>
             </p:txBody>
           </p:sp>
         </mc:Choice>
-        <mc:Fallback>
+        <mc:Fallback xmlns="">
           <p:sp>
             <p:nvSpPr>
               <p:cNvPr id="3" name="Content Placeholder 2"/>
@@ -4065,8 +4490,8 @@
           </a:p>
         </p:txBody>
       </p:sp>
-      <mc:AlternateContent xmlns:mc="http://schemas.openxmlformats.org/markup-compatibility/2006">
-        <mc:Choice xmlns:a14="http://schemas.microsoft.com/office/drawing/2010/main" Requires="a14">
+      <mc:AlternateContent xmlns:mc="http://schemas.openxmlformats.org/markup-compatibility/2006" xmlns:a14="http://schemas.microsoft.com/office/drawing/2010/main">
+        <mc:Choice Requires="a14">
           <p:sp>
             <p:nvSpPr>
               <p:cNvPr id="3" name="Content Placeholder 2"/>
@@ -4323,7 +4748,7 @@
             </p:txBody>
           </p:sp>
         </mc:Choice>
-        <mc:Fallback>
+        <mc:Fallback xmlns="">
           <p:sp>
             <p:nvSpPr>
               <p:cNvPr id="3" name="Content Placeholder 2"/>
@@ -4598,56 +5023,96 @@
         </p:nvSpPr>
         <p:spPr/>
         <p:txBody>
-          <a:bodyPr/>
-          <a:lstStyle/>
-          <a:p>
-            <a:r>
-              <a:rPr lang="en-US" dirty="0"/>
-              <a:t>Coarse-to-fine approach</a:t>
+          <a:bodyPr>
+            <a:normAutofit fontScale="90000"/>
+          </a:bodyPr>
+          <a:lstStyle/>
+          <a:p>
+            <a:r>
+              <a:rPr lang="en-US" dirty="0" smtClean="0"/>
+              <a:t>Energy Function</a:t>
+            </a:r>
+            <a:br>
+              <a:rPr lang="en-US" dirty="0" smtClean="0"/>
+            </a:br>
+            <a:r>
+              <a:rPr lang="en-US" dirty="0" smtClean="0"/>
+              <a:t>L2 vs. L1</a:t>
             </a:r>
             <a:endParaRPr lang="ro-RO" dirty="0"/>
           </a:p>
         </p:txBody>
       </p:sp>
-      <p:sp>
-        <p:nvSpPr>
-          <p:cNvPr id="3" name="Content Placeholder 2"/>
-          <p:cNvSpPr>
-            <a:spLocks noGrp="1"/>
-          </p:cNvSpPr>
+      <p:pic>
+        <p:nvPicPr>
+          <p:cNvPr id="2050" name="Picture 2"/>
+          <p:cNvPicPr>
+            <a:picLocks noGrp="1" noChangeAspect="1" noChangeArrowheads="1"/>
+          </p:cNvPicPr>
           <p:nvPr>
             <p:ph idx="1"/>
           </p:nvPr>
-        </p:nvSpPr>
-        <p:spPr/>
-        <p:txBody>
-          <a:bodyPr/>
-          <a:lstStyle/>
-          <a:p>
-            <a:r>
-              <a:rPr lang="en-US" dirty="0" smtClean="0"/>
-              <a:t>Based on Gaussian or Lagrange Pyramids</a:t>
-            </a:r>
-          </a:p>
-          <a:p>
-            <a:r>
-              <a:rPr lang="en-US" dirty="0" smtClean="0"/>
-              <a:t>Detects large displacements</a:t>
-            </a:r>
-          </a:p>
-          <a:p>
-            <a:r>
-              <a:rPr lang="en-US" dirty="0" smtClean="0"/>
-              <a:t>??</a:t>
-            </a:r>
-            <a:endParaRPr lang="ro-RO" dirty="0"/>
-          </a:p>
-        </p:txBody>
-      </p:sp>
+        </p:nvPicPr>
+        <p:blipFill>
+          <a:blip r:embed="rId2">
+            <a:extLst>
+              <a:ext uri="{28A0092B-C50C-407E-A947-70E740481C1C}">
+                <a14:useLocalDpi xmlns:a14="http://schemas.microsoft.com/office/drawing/2010/main" val="0"/>
+              </a:ext>
+            </a:extLst>
+          </a:blip>
+          <a:srcRect/>
+          <a:stretch>
+            <a:fillRect/>
+          </a:stretch>
+        </p:blipFill>
+        <p:spPr bwMode="auto">
+          <a:xfrm>
+            <a:off x="1524000" y="1600200"/>
+            <a:ext cx="6034617" cy="4525963"/>
+          </a:xfrm>
+          <a:prstGeom prst="rect">
+            <a:avLst/>
+          </a:prstGeom>
+          <a:noFill/>
+          <a:ln>
+            <a:noFill/>
+          </a:ln>
+          <a:effectLst/>
+          <a:extLst>
+            <a:ext uri="{909E8E84-426E-40DD-AFC4-6F175D3DCCD1}">
+              <a14:hiddenFill xmlns:a14="http://schemas.microsoft.com/office/drawing/2010/main">
+                <a:solidFill>
+                  <a:schemeClr val="accent1"/>
+                </a:solidFill>
+              </a14:hiddenFill>
+            </a:ext>
+            <a:ext uri="{91240B29-F687-4F45-9708-019B960494DF}">
+              <a14:hiddenLine xmlns:a14="http://schemas.microsoft.com/office/drawing/2010/main" w="9525">
+                <a:solidFill>
+                  <a:schemeClr val="tx1"/>
+                </a:solidFill>
+                <a:miter lim="800000"/>
+                <a:headEnd/>
+                <a:tailEnd/>
+              </a14:hiddenLine>
+            </a:ext>
+            <a:ext uri="{AF507438-7753-43E0-B8FC-AC1667EBCBE1}">
+              <a14:hiddenEffects xmlns:a14="http://schemas.microsoft.com/office/drawing/2010/main">
+                <a:effectLst>
+                  <a:outerShdw dist="35921" dir="2700000" algn="ctr" rotWithShape="0">
+                    <a:schemeClr val="bg2"/>
+                  </a:outerShdw>
+                </a:effectLst>
+              </a14:hiddenEffects>
+            </a:ext>
+          </a:extLst>
+        </p:spPr>
+      </p:pic>
     </p:spTree>
     <p:extLst>
       <p:ext uri="{BB962C8B-B14F-4D97-AF65-F5344CB8AC3E}">
-        <p14:creationId xmlns:p14="http://schemas.microsoft.com/office/powerpoint/2010/main" val="3733599710"/>
+        <p14:creationId xmlns:p14="http://schemas.microsoft.com/office/powerpoint/2010/main" val="3497248881"/>
       </p:ext>
     </p:extLst>
   </p:cSld>
